--- a/lab6/lecture/lab6.pptx
+++ b/lab6/lecture/lab6.pptx
@@ -348,7 +348,7 @@
           <a:p>
             <a:fld id="{CC6787DF-63A8-4FFC-8155-79ED132149FF}" type="datetimeFigureOut">
               <a:rPr lang="en-US" smtClean="0"/>
-              <a:t>7/14/2018</a:t>
+              <a:t>7/16/2018</a:t>
             </a:fld>
             <a:endParaRPr lang="en-US"/>
           </a:p>
@@ -556,7 +556,7 @@
           <a:p>
             <a:fld id="{CC6787DF-63A8-4FFC-8155-79ED132149FF}" type="datetimeFigureOut">
               <a:rPr lang="en-US" smtClean="0"/>
-              <a:t>7/14/2018</a:t>
+              <a:t>7/16/2018</a:t>
             </a:fld>
             <a:endParaRPr lang="en-US"/>
           </a:p>
@@ -814,7 +814,7 @@
           <a:p>
             <a:fld id="{CC6787DF-63A8-4FFC-8155-79ED132149FF}" type="datetimeFigureOut">
               <a:rPr lang="en-US" smtClean="0"/>
-              <a:t>7/14/2018</a:t>
+              <a:t>7/16/2018</a:t>
             </a:fld>
             <a:endParaRPr lang="en-US"/>
           </a:p>
@@ -984,7 +984,7 @@
           <a:p>
             <a:fld id="{CC6787DF-63A8-4FFC-8155-79ED132149FF}" type="datetimeFigureOut">
               <a:rPr lang="en-US" smtClean="0"/>
-              <a:t>7/14/2018</a:t>
+              <a:t>7/16/2018</a:t>
             </a:fld>
             <a:endParaRPr lang="en-US"/>
           </a:p>
@@ -1321,7 +1321,7 @@
           <a:p>
             <a:fld id="{CC6787DF-63A8-4FFC-8155-79ED132149FF}" type="datetimeFigureOut">
               <a:rPr lang="en-US" smtClean="0"/>
-              <a:t>7/14/2018</a:t>
+              <a:t>7/16/2018</a:t>
             </a:fld>
             <a:endParaRPr lang="en-US"/>
           </a:p>
@@ -1596,7 +1596,7 @@
           <a:p>
             <a:fld id="{CC6787DF-63A8-4FFC-8155-79ED132149FF}" type="datetimeFigureOut">
               <a:rPr lang="en-US" smtClean="0"/>
-              <a:t>7/14/2018</a:t>
+              <a:t>7/16/2018</a:t>
             </a:fld>
             <a:endParaRPr lang="en-US"/>
           </a:p>
@@ -1975,7 +1975,7 @@
           <a:p>
             <a:fld id="{CC6787DF-63A8-4FFC-8155-79ED132149FF}" type="datetimeFigureOut">
               <a:rPr lang="en-US" smtClean="0"/>
-              <a:t>7/14/2018</a:t>
+              <a:t>7/16/2018</a:t>
             </a:fld>
             <a:endParaRPr lang="en-US"/>
           </a:p>
@@ -2093,7 +2093,7 @@
           <a:p>
             <a:fld id="{CC6787DF-63A8-4FFC-8155-79ED132149FF}" type="datetimeFigureOut">
               <a:rPr lang="en-US" smtClean="0"/>
-              <a:t>7/14/2018</a:t>
+              <a:t>7/16/2018</a:t>
             </a:fld>
             <a:endParaRPr lang="en-US"/>
           </a:p>
@@ -2266,7 +2266,7 @@
           <a:p>
             <a:fld id="{CC6787DF-63A8-4FFC-8155-79ED132149FF}" type="datetimeFigureOut">
               <a:rPr lang="en-US" smtClean="0"/>
-              <a:t>7/14/2018</a:t>
+              <a:t>7/16/2018</a:t>
             </a:fld>
             <a:endParaRPr lang="en-US"/>
           </a:p>
@@ -2622,7 +2622,7 @@
           <a:p>
             <a:fld id="{CC6787DF-63A8-4FFC-8155-79ED132149FF}" type="datetimeFigureOut">
               <a:rPr lang="en-US" smtClean="0"/>
-              <a:t>7/14/2018</a:t>
+              <a:t>7/16/2018</a:t>
             </a:fld>
             <a:endParaRPr lang="en-US"/>
           </a:p>
@@ -3001,7 +3001,7 @@
           <a:p>
             <a:fld id="{CC6787DF-63A8-4FFC-8155-79ED132149FF}" type="datetimeFigureOut">
               <a:rPr lang="en-US" smtClean="0"/>
-              <a:t>7/14/2018</a:t>
+              <a:t>7/16/2018</a:t>
             </a:fld>
             <a:endParaRPr lang="en-US"/>
           </a:p>
@@ -3290,7 +3290,7 @@
           <a:p>
             <a:fld id="{CC6787DF-63A8-4FFC-8155-79ED132149FF}" type="datetimeFigureOut">
               <a:rPr lang="en-US" smtClean="0"/>
-              <a:t>7/14/2018</a:t>
+              <a:t>7/16/2018</a:t>
             </a:fld>
             <a:endParaRPr lang="en-US"/>
           </a:p>
@@ -3836,9 +3836,10 @@
           <a:lstStyle/>
           <a:p>
             <a:r>
-              <a:rPr lang="en-US" dirty="0"/>
-              <a:t>ECE220 Lab5</a:t>
+              <a:rPr lang="en-US"/>
+              <a:t>ECE220 Lab6</a:t>
             </a:r>
+            <a:endParaRPr lang="en-US" dirty="0"/>
           </a:p>
         </p:txBody>
       </p:sp>
@@ -4786,13 +4787,7 @@
               <a:rPr lang="en-US" dirty="0" err="1">
                 <a:hlinkClick r:id="rId4"/>
               </a:rPr>
-              <a:t>a</a:t>
-            </a:r>
-            <a:r>
-              <a:rPr lang="en-US" dirty="0" err="1">
-                <a:hlinkClick r:id="rId4"/>
-              </a:rPr>
-              <a:t>lloca</a:t>
+              <a:t>alloca</a:t>
             </a:r>
             <a:r>
               <a:rPr lang="en-US" dirty="0"/>
@@ -5495,8 +5490,8 @@
           </a:fontRef>
         </p:style>
       </p:cxnSp>
-      <mc:AlternateContent xmlns:mc="http://schemas.openxmlformats.org/markup-compatibility/2006">
-        <mc:Choice xmlns:a14="http://schemas.microsoft.com/office/drawing/2010/main" Requires="a14">
+      <mc:AlternateContent xmlns:mc="http://schemas.openxmlformats.org/markup-compatibility/2006" xmlns:a14="http://schemas.microsoft.com/office/drawing/2010/main">
+        <mc:Choice Requires="a14">
           <p:sp>
             <p:nvSpPr>
               <p:cNvPr id="3" name="Content Placeholder 2">
@@ -5630,7 +5625,7 @@
             </p:txBody>
           </p:sp>
         </mc:Choice>
-        <mc:Fallback>
+        <mc:Fallback xmlns="">
           <p:sp>
             <p:nvSpPr>
               <p:cNvPr id="3" name="Content Placeholder 2">
@@ -6414,8 +6409,8 @@
           </a:fontRef>
         </p:style>
       </p:cxnSp>
-      <mc:AlternateContent xmlns:mc="http://schemas.openxmlformats.org/markup-compatibility/2006">
-        <mc:Choice xmlns:a14="http://schemas.microsoft.com/office/drawing/2010/main" Requires="a14">
+      <mc:AlternateContent xmlns:mc="http://schemas.openxmlformats.org/markup-compatibility/2006" xmlns:a14="http://schemas.microsoft.com/office/drawing/2010/main">
+        <mc:Choice Requires="a14">
           <p:sp>
             <p:nvSpPr>
               <p:cNvPr id="3" name="Content Placeholder 2">
@@ -6586,7 +6581,7 @@
             </p:txBody>
           </p:sp>
         </mc:Choice>
-        <mc:Fallback>
+        <mc:Fallback xmlns="">
           <p:sp>
             <p:nvSpPr>
               <p:cNvPr id="3" name="Content Placeholder 2">
